--- a/module_0_course_intoduction.pptx
+++ b/module_0_course_intoduction.pptx
@@ -6173,7 +6173,7 @@
           <a:p>
             <a:fld id="{DE3EB0E5-D7D4-491C-9D7F-9D3520E224FD}" type="datetimeFigureOut">
               <a:rPr lang="en-GB" smtClean="0"/>
-              <a:t>26/02/2025</a:t>
+              <a:t>05/03/2025</a:t>
             </a:fld>
             <a:endParaRPr lang="en-GB"/>
           </a:p>
@@ -7459,7 +7459,7 @@
           <a:p>
             <a:fld id="{8DB94708-012F-4359-A84B-185C9FDFA390}" type="datetimeFigureOut">
               <a:rPr lang="en-GB" smtClean="0"/>
-              <a:t>26/02/2025</a:t>
+              <a:t>05/03/2025</a:t>
             </a:fld>
             <a:endParaRPr lang="en-GB"/>
           </a:p>
@@ -7748,7 +7748,7 @@
           <a:p>
             <a:fld id="{8DB94708-012F-4359-A84B-185C9FDFA390}" type="datetimeFigureOut">
               <a:rPr lang="en-GB" smtClean="0"/>
-              <a:t>26/02/2025</a:t>
+              <a:t>05/03/2025</a:t>
             </a:fld>
             <a:endParaRPr lang="en-GB"/>
           </a:p>
@@ -7948,7 +7948,7 @@
           <a:p>
             <a:fld id="{8DB94708-012F-4359-A84B-185C9FDFA390}" type="datetimeFigureOut">
               <a:rPr lang="en-GB" smtClean="0"/>
-              <a:t>26/02/2025</a:t>
+              <a:t>05/03/2025</a:t>
             </a:fld>
             <a:endParaRPr lang="en-GB"/>
           </a:p>
@@ -8158,7 +8158,7 @@
           <a:p>
             <a:fld id="{8DB94708-012F-4359-A84B-185C9FDFA390}" type="datetimeFigureOut">
               <a:rPr lang="en-GB" smtClean="0"/>
-              <a:t>26/02/2025</a:t>
+              <a:t>05/03/2025</a:t>
             </a:fld>
             <a:endParaRPr lang="en-GB"/>
           </a:p>
@@ -9313,7 +9313,7 @@
           <a:p>
             <a:fld id="{8DB94708-012F-4359-A84B-185C9FDFA390}" type="datetimeFigureOut">
               <a:rPr lang="en-GB" smtClean="0"/>
-              <a:t>26/02/2025</a:t>
+              <a:t>05/03/2025</a:t>
             </a:fld>
             <a:endParaRPr lang="en-GB"/>
           </a:p>
@@ -9589,7 +9589,7 @@
           <a:p>
             <a:fld id="{8DB94708-012F-4359-A84B-185C9FDFA390}" type="datetimeFigureOut">
               <a:rPr lang="en-GB" smtClean="0"/>
-              <a:t>26/02/2025</a:t>
+              <a:t>05/03/2025</a:t>
             </a:fld>
             <a:endParaRPr lang="en-GB"/>
           </a:p>
@@ -9857,7 +9857,7 @@
           <a:p>
             <a:fld id="{8DB94708-012F-4359-A84B-185C9FDFA390}" type="datetimeFigureOut">
               <a:rPr lang="en-GB" smtClean="0"/>
-              <a:t>26/02/2025</a:t>
+              <a:t>05/03/2025</a:t>
             </a:fld>
             <a:endParaRPr lang="en-GB"/>
           </a:p>
@@ -10062,7 +10062,7 @@
           <a:p>
             <a:fld id="{8DB94708-012F-4359-A84B-185C9FDFA390}" type="datetimeFigureOut">
               <a:rPr lang="en-GB" smtClean="0"/>
-              <a:t>26/02/2025</a:t>
+              <a:t>05/03/2025</a:t>
             </a:fld>
             <a:endParaRPr lang="en-GB"/>
           </a:p>
@@ -10529,7 +10529,7 @@
           <a:p>
             <a:fld id="{8DB94708-012F-4359-A84B-185C9FDFA390}" type="datetimeFigureOut">
               <a:rPr lang="en-GB" smtClean="0"/>
-              <a:t>26/02/2025</a:t>
+              <a:t>05/03/2025</a:t>
             </a:fld>
             <a:endParaRPr lang="en-GB"/>
           </a:p>
@@ -10671,7 +10671,7 @@
           <a:p>
             <a:fld id="{8DB94708-012F-4359-A84B-185C9FDFA390}" type="datetimeFigureOut">
               <a:rPr lang="en-GB" smtClean="0"/>
-              <a:t>26/02/2025</a:t>
+              <a:t>05/03/2025</a:t>
             </a:fld>
             <a:endParaRPr lang="en-GB"/>
           </a:p>
@@ -10838,7 +10838,7 @@
           <a:p>
             <a:fld id="{8DB94708-012F-4359-A84B-185C9FDFA390}" type="datetimeFigureOut">
               <a:rPr lang="en-GB" smtClean="0"/>
-              <a:t>26/02/2025</a:t>
+              <a:t>05/03/2025</a:t>
             </a:fld>
             <a:endParaRPr lang="en-GB"/>
           </a:p>
@@ -11205,7 +11205,7 @@
           <a:p>
             <a:fld id="{8DB94708-012F-4359-A84B-185C9FDFA390}" type="datetimeFigureOut">
               <a:rPr lang="en-GB" smtClean="0"/>
-              <a:t>26/02/2025</a:t>
+              <a:t>05/03/2025</a:t>
             </a:fld>
             <a:endParaRPr lang="en-GB"/>
           </a:p>
@@ -11448,7 +11448,7 @@
           <a:p>
             <a:fld id="{8DB94708-012F-4359-A84B-185C9FDFA390}" type="datetimeFigureOut">
               <a:rPr lang="en-GB" smtClean="0"/>
-              <a:t>26/02/2025</a:t>
+              <a:t>05/03/2025</a:t>
             </a:fld>
             <a:endParaRPr lang="en-GB"/>
           </a:p>
@@ -13383,7 +13383,7 @@
                   <a:srgbClr val="FF0000"/>
                 </a:solidFill>
               </a:rPr>
-              <a:t>AWS - https://tinyurl.com/.....</a:t>
+              <a:t>AWS - https://tinyurl.com/bdhbxwkp</a:t>
             </a:r>
           </a:p>
           <a:p>
@@ -13395,7 +13395,7 @@
                   </a:schemeClr>
                 </a:solidFill>
               </a:rPr>
-              <a:t>Azure - https://tinyurl.com/.....</a:t>
+              <a:t>Azure - https://tinyurl.com/4cyhjsu7</a:t>
             </a:r>
           </a:p>
           <a:p>
@@ -13405,7 +13405,7 @@
                   <a:srgbClr val="0070C0"/>
                 </a:solidFill>
               </a:rPr>
-              <a:t>Google - https://tinyurl.com/.....</a:t>
+              <a:t>Google - https://tinyurl.com/3znryztd</a:t>
             </a:r>
           </a:p>
         </p:txBody>
